--- a/SISTEM OPERASI.pptx
+++ b/SISTEM OPERASI.pptx
@@ -135,7 +135,7 @@
           <p:cNvPr id="2" name="Title 1">
             <a:extLst>
               <a:ext uri="{FF2B5EF4-FFF2-40B4-BE49-F238E27FC236}">
-                <a16:creationId xmlns:a16="http://schemas.microsoft.com/office/drawing/2014/main" id="{4519ED09-A975-B5C5-79C7-61E1F2D756E2}"/>
+                <a16:creationId xmlns:a16="http://schemas.microsoft.com/office/drawing/2014/main" xmlns="" id="{4519ED09-A975-B5C5-79C7-61E1F2D756E2}"/>
               </a:ext>
             </a:extLst>
           </p:cNvPr>
@@ -172,7 +172,7 @@
           <p:cNvPr id="3" name="Subtitle 2">
             <a:extLst>
               <a:ext uri="{FF2B5EF4-FFF2-40B4-BE49-F238E27FC236}">
-                <a16:creationId xmlns:a16="http://schemas.microsoft.com/office/drawing/2014/main" id="{99E4E4A6-2750-FD79-9D01-AEF309965C91}"/>
+                <a16:creationId xmlns:a16="http://schemas.microsoft.com/office/drawing/2014/main" xmlns="" id="{99E4E4A6-2750-FD79-9D01-AEF309965C91}"/>
               </a:ext>
             </a:extLst>
           </p:cNvPr>
@@ -242,7 +242,7 @@
           <p:cNvPr id="4" name="Date Placeholder 3">
             <a:extLst>
               <a:ext uri="{FF2B5EF4-FFF2-40B4-BE49-F238E27FC236}">
-                <a16:creationId xmlns:a16="http://schemas.microsoft.com/office/drawing/2014/main" id="{F9CED8B5-999A-B01F-94F1-95A0BEF55AE1}"/>
+                <a16:creationId xmlns:a16="http://schemas.microsoft.com/office/drawing/2014/main" xmlns="" id="{F9CED8B5-999A-B01F-94F1-95A0BEF55AE1}"/>
               </a:ext>
             </a:extLst>
           </p:cNvPr>
@@ -260,7 +260,8 @@
           <a:p>
             <a:fld id="{57F3C984-27DD-40E5-98B7-639B5694548A}" type="datetimeFigureOut">
               <a:rPr lang="en-US" smtClean="0"/>
-              <a:t>10/14/2022</a:t>
+              <a:pPr/>
+              <a:t>10/24/2022</a:t>
             </a:fld>
             <a:endParaRPr lang="en-US"/>
           </a:p>
@@ -271,7 +272,7 @@
           <p:cNvPr id="5" name="Footer Placeholder 4">
             <a:extLst>
               <a:ext uri="{FF2B5EF4-FFF2-40B4-BE49-F238E27FC236}">
-                <a16:creationId xmlns:a16="http://schemas.microsoft.com/office/drawing/2014/main" id="{7658211A-B5CD-DCAF-551D-5A475E55E1FB}"/>
+                <a16:creationId xmlns:a16="http://schemas.microsoft.com/office/drawing/2014/main" xmlns="" id="{7658211A-B5CD-DCAF-551D-5A475E55E1FB}"/>
               </a:ext>
             </a:extLst>
           </p:cNvPr>
@@ -296,7 +297,7 @@
           <p:cNvPr id="6" name="Slide Number Placeholder 5">
             <a:extLst>
               <a:ext uri="{FF2B5EF4-FFF2-40B4-BE49-F238E27FC236}">
-                <a16:creationId xmlns:a16="http://schemas.microsoft.com/office/drawing/2014/main" id="{4F882CDE-86F6-6866-2149-0B492A99CEBC}"/>
+                <a16:creationId xmlns:a16="http://schemas.microsoft.com/office/drawing/2014/main" xmlns="" id="{4F882CDE-86F6-6866-2149-0B492A99CEBC}"/>
               </a:ext>
             </a:extLst>
           </p:cNvPr>
@@ -314,6 +315,7 @@
           <a:p>
             <a:fld id="{248F3A2C-B7C8-4CE7-931B-A8155F74D0D2}" type="slidenum">
               <a:rPr lang="en-US" smtClean="0"/>
+              <a:pPr/>
               <a:t>‹#›</a:t>
             </a:fld>
             <a:endParaRPr lang="en-US"/>
@@ -323,7 +325,7 @@
     </p:spTree>
     <p:extLst>
       <p:ext uri="{BB962C8B-B14F-4D97-AF65-F5344CB8AC3E}">
-        <p14:creationId xmlns:p14="http://schemas.microsoft.com/office/powerpoint/2010/main" val="700789487"/>
+        <p14:creationId xmlns:p14="http://schemas.microsoft.com/office/powerpoint/2010/main" xmlns="" val="700789487"/>
       </p:ext>
     </p:extLst>
   </p:cSld>
@@ -355,7 +357,7 @@
           <p:cNvPr id="2" name="Title 1">
             <a:extLst>
               <a:ext uri="{FF2B5EF4-FFF2-40B4-BE49-F238E27FC236}">
-                <a16:creationId xmlns:a16="http://schemas.microsoft.com/office/drawing/2014/main" id="{8CB47DB6-7031-3570-2F9C-22090DBACA2F}"/>
+                <a16:creationId xmlns:a16="http://schemas.microsoft.com/office/drawing/2014/main" xmlns="" id="{8CB47DB6-7031-3570-2F9C-22090DBACA2F}"/>
               </a:ext>
             </a:extLst>
           </p:cNvPr>
@@ -383,7 +385,7 @@
           <p:cNvPr id="3" name="Vertical Text Placeholder 2">
             <a:extLst>
               <a:ext uri="{FF2B5EF4-FFF2-40B4-BE49-F238E27FC236}">
-                <a16:creationId xmlns:a16="http://schemas.microsoft.com/office/drawing/2014/main" id="{BDEC082F-9623-2B71-A520-B65F7D916637}"/>
+                <a16:creationId xmlns:a16="http://schemas.microsoft.com/office/drawing/2014/main" xmlns="" id="{BDEC082F-9623-2B71-A520-B65F7D916637}"/>
               </a:ext>
             </a:extLst>
           </p:cNvPr>
@@ -440,7 +442,7 @@
           <p:cNvPr id="4" name="Date Placeholder 3">
             <a:extLst>
               <a:ext uri="{FF2B5EF4-FFF2-40B4-BE49-F238E27FC236}">
-                <a16:creationId xmlns:a16="http://schemas.microsoft.com/office/drawing/2014/main" id="{0343B9F6-AF9B-F475-AB5E-214F1792EF65}"/>
+                <a16:creationId xmlns:a16="http://schemas.microsoft.com/office/drawing/2014/main" xmlns="" id="{0343B9F6-AF9B-F475-AB5E-214F1792EF65}"/>
               </a:ext>
             </a:extLst>
           </p:cNvPr>
@@ -458,7 +460,8 @@
           <a:p>
             <a:fld id="{57F3C984-27DD-40E5-98B7-639B5694548A}" type="datetimeFigureOut">
               <a:rPr lang="en-US" smtClean="0"/>
-              <a:t>10/14/2022</a:t>
+              <a:pPr/>
+              <a:t>10/24/2022</a:t>
             </a:fld>
             <a:endParaRPr lang="en-US"/>
           </a:p>
@@ -469,7 +472,7 @@
           <p:cNvPr id="5" name="Footer Placeholder 4">
             <a:extLst>
               <a:ext uri="{FF2B5EF4-FFF2-40B4-BE49-F238E27FC236}">
-                <a16:creationId xmlns:a16="http://schemas.microsoft.com/office/drawing/2014/main" id="{078F1482-87C7-F9FB-AF14-BC25A284E6F8}"/>
+                <a16:creationId xmlns:a16="http://schemas.microsoft.com/office/drawing/2014/main" xmlns="" id="{078F1482-87C7-F9FB-AF14-BC25A284E6F8}"/>
               </a:ext>
             </a:extLst>
           </p:cNvPr>
@@ -494,7 +497,7 @@
           <p:cNvPr id="6" name="Slide Number Placeholder 5">
             <a:extLst>
               <a:ext uri="{FF2B5EF4-FFF2-40B4-BE49-F238E27FC236}">
-                <a16:creationId xmlns:a16="http://schemas.microsoft.com/office/drawing/2014/main" id="{4A234D7F-C168-4775-E6B7-9E852CD7AB5B}"/>
+                <a16:creationId xmlns:a16="http://schemas.microsoft.com/office/drawing/2014/main" xmlns="" id="{4A234D7F-C168-4775-E6B7-9E852CD7AB5B}"/>
               </a:ext>
             </a:extLst>
           </p:cNvPr>
@@ -512,6 +515,7 @@
           <a:p>
             <a:fld id="{248F3A2C-B7C8-4CE7-931B-A8155F74D0D2}" type="slidenum">
               <a:rPr lang="en-US" smtClean="0"/>
+              <a:pPr/>
               <a:t>‹#›</a:t>
             </a:fld>
             <a:endParaRPr lang="en-US"/>
@@ -521,7 +525,7 @@
     </p:spTree>
     <p:extLst>
       <p:ext uri="{BB962C8B-B14F-4D97-AF65-F5344CB8AC3E}">
-        <p14:creationId xmlns:p14="http://schemas.microsoft.com/office/powerpoint/2010/main" val="4253448194"/>
+        <p14:creationId xmlns:p14="http://schemas.microsoft.com/office/powerpoint/2010/main" xmlns="" val="4253448194"/>
       </p:ext>
     </p:extLst>
   </p:cSld>
@@ -553,7 +557,7 @@
           <p:cNvPr id="2" name="Vertical Title 1">
             <a:extLst>
               <a:ext uri="{FF2B5EF4-FFF2-40B4-BE49-F238E27FC236}">
-                <a16:creationId xmlns:a16="http://schemas.microsoft.com/office/drawing/2014/main" id="{9B3AB7CE-8356-110E-0053-6700DB84409E}"/>
+                <a16:creationId xmlns:a16="http://schemas.microsoft.com/office/drawing/2014/main" xmlns="" id="{9B3AB7CE-8356-110E-0053-6700DB84409E}"/>
               </a:ext>
             </a:extLst>
           </p:cNvPr>
@@ -586,7 +590,7 @@
           <p:cNvPr id="3" name="Vertical Text Placeholder 2">
             <a:extLst>
               <a:ext uri="{FF2B5EF4-FFF2-40B4-BE49-F238E27FC236}">
-                <a16:creationId xmlns:a16="http://schemas.microsoft.com/office/drawing/2014/main" id="{22526D48-3D61-C3E3-1BEC-15A97A623209}"/>
+                <a16:creationId xmlns:a16="http://schemas.microsoft.com/office/drawing/2014/main" xmlns="" id="{22526D48-3D61-C3E3-1BEC-15A97A623209}"/>
               </a:ext>
             </a:extLst>
           </p:cNvPr>
@@ -648,7 +652,7 @@
           <p:cNvPr id="4" name="Date Placeholder 3">
             <a:extLst>
               <a:ext uri="{FF2B5EF4-FFF2-40B4-BE49-F238E27FC236}">
-                <a16:creationId xmlns:a16="http://schemas.microsoft.com/office/drawing/2014/main" id="{E535BD96-9912-448D-B55E-0FF3F33084FF}"/>
+                <a16:creationId xmlns:a16="http://schemas.microsoft.com/office/drawing/2014/main" xmlns="" id="{E535BD96-9912-448D-B55E-0FF3F33084FF}"/>
               </a:ext>
             </a:extLst>
           </p:cNvPr>
@@ -666,7 +670,8 @@
           <a:p>
             <a:fld id="{57F3C984-27DD-40E5-98B7-639B5694548A}" type="datetimeFigureOut">
               <a:rPr lang="en-US" smtClean="0"/>
-              <a:t>10/14/2022</a:t>
+              <a:pPr/>
+              <a:t>10/24/2022</a:t>
             </a:fld>
             <a:endParaRPr lang="en-US"/>
           </a:p>
@@ -677,7 +682,7 @@
           <p:cNvPr id="5" name="Footer Placeholder 4">
             <a:extLst>
               <a:ext uri="{FF2B5EF4-FFF2-40B4-BE49-F238E27FC236}">
-                <a16:creationId xmlns:a16="http://schemas.microsoft.com/office/drawing/2014/main" id="{A28B658A-D33F-2BD4-3EB3-86B3ACFA3397}"/>
+                <a16:creationId xmlns:a16="http://schemas.microsoft.com/office/drawing/2014/main" xmlns="" id="{A28B658A-D33F-2BD4-3EB3-86B3ACFA3397}"/>
               </a:ext>
             </a:extLst>
           </p:cNvPr>
@@ -702,7 +707,7 @@
           <p:cNvPr id="6" name="Slide Number Placeholder 5">
             <a:extLst>
               <a:ext uri="{FF2B5EF4-FFF2-40B4-BE49-F238E27FC236}">
-                <a16:creationId xmlns:a16="http://schemas.microsoft.com/office/drawing/2014/main" id="{19267338-F6EF-844B-4FA2-281AE3FA56E7}"/>
+                <a16:creationId xmlns:a16="http://schemas.microsoft.com/office/drawing/2014/main" xmlns="" id="{19267338-F6EF-844B-4FA2-281AE3FA56E7}"/>
               </a:ext>
             </a:extLst>
           </p:cNvPr>
@@ -720,6 +725,7 @@
           <a:p>
             <a:fld id="{248F3A2C-B7C8-4CE7-931B-A8155F74D0D2}" type="slidenum">
               <a:rPr lang="en-US" smtClean="0"/>
+              <a:pPr/>
               <a:t>‹#›</a:t>
             </a:fld>
             <a:endParaRPr lang="en-US"/>
@@ -729,7 +735,7 @@
     </p:spTree>
     <p:extLst>
       <p:ext uri="{BB962C8B-B14F-4D97-AF65-F5344CB8AC3E}">
-        <p14:creationId xmlns:p14="http://schemas.microsoft.com/office/powerpoint/2010/main" val="3325725297"/>
+        <p14:creationId xmlns:p14="http://schemas.microsoft.com/office/powerpoint/2010/main" xmlns="" val="3325725297"/>
       </p:ext>
     </p:extLst>
   </p:cSld>
@@ -761,7 +767,7 @@
           <p:cNvPr id="2" name="Title 1">
             <a:extLst>
               <a:ext uri="{FF2B5EF4-FFF2-40B4-BE49-F238E27FC236}">
-                <a16:creationId xmlns:a16="http://schemas.microsoft.com/office/drawing/2014/main" id="{7548AB91-FAED-88AA-4CFF-1FC0413A4FD5}"/>
+                <a16:creationId xmlns:a16="http://schemas.microsoft.com/office/drawing/2014/main" xmlns="" id="{7548AB91-FAED-88AA-4CFF-1FC0413A4FD5}"/>
               </a:ext>
             </a:extLst>
           </p:cNvPr>
@@ -789,7 +795,7 @@
           <p:cNvPr id="3" name="Content Placeholder 2">
             <a:extLst>
               <a:ext uri="{FF2B5EF4-FFF2-40B4-BE49-F238E27FC236}">
-                <a16:creationId xmlns:a16="http://schemas.microsoft.com/office/drawing/2014/main" id="{20E4822D-2A49-4642-AF7C-F0D9577C340D}"/>
+                <a16:creationId xmlns:a16="http://schemas.microsoft.com/office/drawing/2014/main" xmlns="" id="{20E4822D-2A49-4642-AF7C-F0D9577C340D}"/>
               </a:ext>
             </a:extLst>
           </p:cNvPr>
@@ -846,7 +852,7 @@
           <p:cNvPr id="4" name="Date Placeholder 3">
             <a:extLst>
               <a:ext uri="{FF2B5EF4-FFF2-40B4-BE49-F238E27FC236}">
-                <a16:creationId xmlns:a16="http://schemas.microsoft.com/office/drawing/2014/main" id="{B511B6FC-C477-0EF1-1C85-B9258E76495E}"/>
+                <a16:creationId xmlns:a16="http://schemas.microsoft.com/office/drawing/2014/main" xmlns="" id="{B511B6FC-C477-0EF1-1C85-B9258E76495E}"/>
               </a:ext>
             </a:extLst>
           </p:cNvPr>
@@ -864,7 +870,8 @@
           <a:p>
             <a:fld id="{57F3C984-27DD-40E5-98B7-639B5694548A}" type="datetimeFigureOut">
               <a:rPr lang="en-US" smtClean="0"/>
-              <a:t>10/14/2022</a:t>
+              <a:pPr/>
+              <a:t>10/24/2022</a:t>
             </a:fld>
             <a:endParaRPr lang="en-US"/>
           </a:p>
@@ -875,7 +882,7 @@
           <p:cNvPr id="5" name="Footer Placeholder 4">
             <a:extLst>
               <a:ext uri="{FF2B5EF4-FFF2-40B4-BE49-F238E27FC236}">
-                <a16:creationId xmlns:a16="http://schemas.microsoft.com/office/drawing/2014/main" id="{3F0EA5E8-C5E8-6417-9F79-BE006D4E27BA}"/>
+                <a16:creationId xmlns:a16="http://schemas.microsoft.com/office/drawing/2014/main" xmlns="" id="{3F0EA5E8-C5E8-6417-9F79-BE006D4E27BA}"/>
               </a:ext>
             </a:extLst>
           </p:cNvPr>
@@ -900,7 +907,7 @@
           <p:cNvPr id="6" name="Slide Number Placeholder 5">
             <a:extLst>
               <a:ext uri="{FF2B5EF4-FFF2-40B4-BE49-F238E27FC236}">
-                <a16:creationId xmlns:a16="http://schemas.microsoft.com/office/drawing/2014/main" id="{BECF0964-5611-0EDA-4FBE-87167FE7C092}"/>
+                <a16:creationId xmlns:a16="http://schemas.microsoft.com/office/drawing/2014/main" xmlns="" id="{BECF0964-5611-0EDA-4FBE-87167FE7C092}"/>
               </a:ext>
             </a:extLst>
           </p:cNvPr>
@@ -918,6 +925,7 @@
           <a:p>
             <a:fld id="{248F3A2C-B7C8-4CE7-931B-A8155F74D0D2}" type="slidenum">
               <a:rPr lang="en-US" smtClean="0"/>
+              <a:pPr/>
               <a:t>‹#›</a:t>
             </a:fld>
             <a:endParaRPr lang="en-US"/>
@@ -927,7 +935,7 @@
     </p:spTree>
     <p:extLst>
       <p:ext uri="{BB962C8B-B14F-4D97-AF65-F5344CB8AC3E}">
-        <p14:creationId xmlns:p14="http://schemas.microsoft.com/office/powerpoint/2010/main" val="162379448"/>
+        <p14:creationId xmlns:p14="http://schemas.microsoft.com/office/powerpoint/2010/main" xmlns="" val="162379448"/>
       </p:ext>
     </p:extLst>
   </p:cSld>
@@ -959,7 +967,7 @@
           <p:cNvPr id="2" name="Title 1">
             <a:extLst>
               <a:ext uri="{FF2B5EF4-FFF2-40B4-BE49-F238E27FC236}">
-                <a16:creationId xmlns:a16="http://schemas.microsoft.com/office/drawing/2014/main" id="{BED03F4B-DE10-C720-7B51-237B6AA6B3C9}"/>
+                <a16:creationId xmlns:a16="http://schemas.microsoft.com/office/drawing/2014/main" xmlns="" id="{BED03F4B-DE10-C720-7B51-237B6AA6B3C9}"/>
               </a:ext>
             </a:extLst>
           </p:cNvPr>
@@ -996,7 +1004,7 @@
           <p:cNvPr id="3" name="Text Placeholder 2">
             <a:extLst>
               <a:ext uri="{FF2B5EF4-FFF2-40B4-BE49-F238E27FC236}">
-                <a16:creationId xmlns:a16="http://schemas.microsoft.com/office/drawing/2014/main" id="{D62C2DA1-8766-E28B-AF70-BAE61F050D66}"/>
+                <a16:creationId xmlns:a16="http://schemas.microsoft.com/office/drawing/2014/main" xmlns="" id="{D62C2DA1-8766-E28B-AF70-BAE61F050D66}"/>
               </a:ext>
             </a:extLst>
           </p:cNvPr>
@@ -1121,7 +1129,7 @@
           <p:cNvPr id="4" name="Date Placeholder 3">
             <a:extLst>
               <a:ext uri="{FF2B5EF4-FFF2-40B4-BE49-F238E27FC236}">
-                <a16:creationId xmlns:a16="http://schemas.microsoft.com/office/drawing/2014/main" id="{AB9475C2-343B-9274-C2D2-6CFD6EA02B08}"/>
+                <a16:creationId xmlns:a16="http://schemas.microsoft.com/office/drawing/2014/main" xmlns="" id="{AB9475C2-343B-9274-C2D2-6CFD6EA02B08}"/>
               </a:ext>
             </a:extLst>
           </p:cNvPr>
@@ -1139,7 +1147,8 @@
           <a:p>
             <a:fld id="{57F3C984-27DD-40E5-98B7-639B5694548A}" type="datetimeFigureOut">
               <a:rPr lang="en-US" smtClean="0"/>
-              <a:t>10/14/2022</a:t>
+              <a:pPr/>
+              <a:t>10/24/2022</a:t>
             </a:fld>
             <a:endParaRPr lang="en-US"/>
           </a:p>
@@ -1150,7 +1159,7 @@
           <p:cNvPr id="5" name="Footer Placeholder 4">
             <a:extLst>
               <a:ext uri="{FF2B5EF4-FFF2-40B4-BE49-F238E27FC236}">
-                <a16:creationId xmlns:a16="http://schemas.microsoft.com/office/drawing/2014/main" id="{5A720DA1-39F4-DBB0-2583-B71D026B73FF}"/>
+                <a16:creationId xmlns:a16="http://schemas.microsoft.com/office/drawing/2014/main" xmlns="" id="{5A720DA1-39F4-DBB0-2583-B71D026B73FF}"/>
               </a:ext>
             </a:extLst>
           </p:cNvPr>
@@ -1175,7 +1184,7 @@
           <p:cNvPr id="6" name="Slide Number Placeholder 5">
             <a:extLst>
               <a:ext uri="{FF2B5EF4-FFF2-40B4-BE49-F238E27FC236}">
-                <a16:creationId xmlns:a16="http://schemas.microsoft.com/office/drawing/2014/main" id="{93BF03F1-1E73-74A9-E627-28105FF7B225}"/>
+                <a16:creationId xmlns:a16="http://schemas.microsoft.com/office/drawing/2014/main" xmlns="" id="{93BF03F1-1E73-74A9-E627-28105FF7B225}"/>
               </a:ext>
             </a:extLst>
           </p:cNvPr>
@@ -1193,6 +1202,7 @@
           <a:p>
             <a:fld id="{248F3A2C-B7C8-4CE7-931B-A8155F74D0D2}" type="slidenum">
               <a:rPr lang="en-US" smtClean="0"/>
+              <a:pPr/>
               <a:t>‹#›</a:t>
             </a:fld>
             <a:endParaRPr lang="en-US"/>
@@ -1202,7 +1212,7 @@
     </p:spTree>
     <p:extLst>
       <p:ext uri="{BB962C8B-B14F-4D97-AF65-F5344CB8AC3E}">
-        <p14:creationId xmlns:p14="http://schemas.microsoft.com/office/powerpoint/2010/main" val="3055611491"/>
+        <p14:creationId xmlns:p14="http://schemas.microsoft.com/office/powerpoint/2010/main" xmlns="" val="3055611491"/>
       </p:ext>
     </p:extLst>
   </p:cSld>
@@ -1234,7 +1244,7 @@
           <p:cNvPr id="2" name="Title 1">
             <a:extLst>
               <a:ext uri="{FF2B5EF4-FFF2-40B4-BE49-F238E27FC236}">
-                <a16:creationId xmlns:a16="http://schemas.microsoft.com/office/drawing/2014/main" id="{4DA7CDEC-0676-D367-1888-7810ACC92073}"/>
+                <a16:creationId xmlns:a16="http://schemas.microsoft.com/office/drawing/2014/main" xmlns="" id="{4DA7CDEC-0676-D367-1888-7810ACC92073}"/>
               </a:ext>
             </a:extLst>
           </p:cNvPr>
@@ -1262,7 +1272,7 @@
           <p:cNvPr id="3" name="Content Placeholder 2">
             <a:extLst>
               <a:ext uri="{FF2B5EF4-FFF2-40B4-BE49-F238E27FC236}">
-                <a16:creationId xmlns:a16="http://schemas.microsoft.com/office/drawing/2014/main" id="{0AD0BDCD-AFF1-B368-AE81-D7FED0A1EA9C}"/>
+                <a16:creationId xmlns:a16="http://schemas.microsoft.com/office/drawing/2014/main" xmlns="" id="{0AD0BDCD-AFF1-B368-AE81-D7FED0A1EA9C}"/>
               </a:ext>
             </a:extLst>
           </p:cNvPr>
@@ -1324,7 +1334,7 @@
           <p:cNvPr id="4" name="Content Placeholder 3">
             <a:extLst>
               <a:ext uri="{FF2B5EF4-FFF2-40B4-BE49-F238E27FC236}">
-                <a16:creationId xmlns:a16="http://schemas.microsoft.com/office/drawing/2014/main" id="{3126DB11-B980-150B-3C14-CBB1CBB44FD8}"/>
+                <a16:creationId xmlns:a16="http://schemas.microsoft.com/office/drawing/2014/main" xmlns="" id="{3126DB11-B980-150B-3C14-CBB1CBB44FD8}"/>
               </a:ext>
             </a:extLst>
           </p:cNvPr>
@@ -1386,7 +1396,7 @@
           <p:cNvPr id="5" name="Date Placeholder 4">
             <a:extLst>
               <a:ext uri="{FF2B5EF4-FFF2-40B4-BE49-F238E27FC236}">
-                <a16:creationId xmlns:a16="http://schemas.microsoft.com/office/drawing/2014/main" id="{BD7DA887-7BE8-CAED-9EE3-4B430B22E344}"/>
+                <a16:creationId xmlns:a16="http://schemas.microsoft.com/office/drawing/2014/main" xmlns="" id="{BD7DA887-7BE8-CAED-9EE3-4B430B22E344}"/>
               </a:ext>
             </a:extLst>
           </p:cNvPr>
@@ -1404,7 +1414,8 @@
           <a:p>
             <a:fld id="{57F3C984-27DD-40E5-98B7-639B5694548A}" type="datetimeFigureOut">
               <a:rPr lang="en-US" smtClean="0"/>
-              <a:t>10/14/2022</a:t>
+              <a:pPr/>
+              <a:t>10/24/2022</a:t>
             </a:fld>
             <a:endParaRPr lang="en-US"/>
           </a:p>
@@ -1415,7 +1426,7 @@
           <p:cNvPr id="6" name="Footer Placeholder 5">
             <a:extLst>
               <a:ext uri="{FF2B5EF4-FFF2-40B4-BE49-F238E27FC236}">
-                <a16:creationId xmlns:a16="http://schemas.microsoft.com/office/drawing/2014/main" id="{32D73F03-415A-95CE-0306-6F7A4E3E1543}"/>
+                <a16:creationId xmlns:a16="http://schemas.microsoft.com/office/drawing/2014/main" xmlns="" id="{32D73F03-415A-95CE-0306-6F7A4E3E1543}"/>
               </a:ext>
             </a:extLst>
           </p:cNvPr>
@@ -1440,7 +1451,7 @@
           <p:cNvPr id="7" name="Slide Number Placeholder 6">
             <a:extLst>
               <a:ext uri="{FF2B5EF4-FFF2-40B4-BE49-F238E27FC236}">
-                <a16:creationId xmlns:a16="http://schemas.microsoft.com/office/drawing/2014/main" id="{7A14606D-1878-5142-E9C0-173330D5CF73}"/>
+                <a16:creationId xmlns:a16="http://schemas.microsoft.com/office/drawing/2014/main" xmlns="" id="{7A14606D-1878-5142-E9C0-173330D5CF73}"/>
               </a:ext>
             </a:extLst>
           </p:cNvPr>
@@ -1458,6 +1469,7 @@
           <a:p>
             <a:fld id="{248F3A2C-B7C8-4CE7-931B-A8155F74D0D2}" type="slidenum">
               <a:rPr lang="en-US" smtClean="0"/>
+              <a:pPr/>
               <a:t>‹#›</a:t>
             </a:fld>
             <a:endParaRPr lang="en-US"/>
@@ -1467,7 +1479,7 @@
     </p:spTree>
     <p:extLst>
       <p:ext uri="{BB962C8B-B14F-4D97-AF65-F5344CB8AC3E}">
-        <p14:creationId xmlns:p14="http://schemas.microsoft.com/office/powerpoint/2010/main" val="57194246"/>
+        <p14:creationId xmlns:p14="http://schemas.microsoft.com/office/powerpoint/2010/main" xmlns="" val="57194246"/>
       </p:ext>
     </p:extLst>
   </p:cSld>
@@ -1499,7 +1511,7 @@
           <p:cNvPr id="2" name="Title 1">
             <a:extLst>
               <a:ext uri="{FF2B5EF4-FFF2-40B4-BE49-F238E27FC236}">
-                <a16:creationId xmlns:a16="http://schemas.microsoft.com/office/drawing/2014/main" id="{F20F990C-3E49-9CC6-E6D6-3BBAF8CE892B}"/>
+                <a16:creationId xmlns:a16="http://schemas.microsoft.com/office/drawing/2014/main" xmlns="" id="{F20F990C-3E49-9CC6-E6D6-3BBAF8CE892B}"/>
               </a:ext>
             </a:extLst>
           </p:cNvPr>
@@ -1532,7 +1544,7 @@
           <p:cNvPr id="3" name="Text Placeholder 2">
             <a:extLst>
               <a:ext uri="{FF2B5EF4-FFF2-40B4-BE49-F238E27FC236}">
-                <a16:creationId xmlns:a16="http://schemas.microsoft.com/office/drawing/2014/main" id="{A242F1BD-5C87-66F5-3485-2E5ABB83C49B}"/>
+                <a16:creationId xmlns:a16="http://schemas.microsoft.com/office/drawing/2014/main" xmlns="" id="{A242F1BD-5C87-66F5-3485-2E5ABB83C49B}"/>
               </a:ext>
             </a:extLst>
           </p:cNvPr>
@@ -1603,7 +1615,7 @@
           <p:cNvPr id="4" name="Content Placeholder 3">
             <a:extLst>
               <a:ext uri="{FF2B5EF4-FFF2-40B4-BE49-F238E27FC236}">
-                <a16:creationId xmlns:a16="http://schemas.microsoft.com/office/drawing/2014/main" id="{1AC2A172-9712-D6DF-803F-CAA27F2921F8}"/>
+                <a16:creationId xmlns:a16="http://schemas.microsoft.com/office/drawing/2014/main" xmlns="" id="{1AC2A172-9712-D6DF-803F-CAA27F2921F8}"/>
               </a:ext>
             </a:extLst>
           </p:cNvPr>
@@ -1665,7 +1677,7 @@
           <p:cNvPr id="5" name="Text Placeholder 4">
             <a:extLst>
               <a:ext uri="{FF2B5EF4-FFF2-40B4-BE49-F238E27FC236}">
-                <a16:creationId xmlns:a16="http://schemas.microsoft.com/office/drawing/2014/main" id="{D8C17079-A732-6CF2-1AF6-A8AED09FFA7E}"/>
+                <a16:creationId xmlns:a16="http://schemas.microsoft.com/office/drawing/2014/main" xmlns="" id="{D8C17079-A732-6CF2-1AF6-A8AED09FFA7E}"/>
               </a:ext>
             </a:extLst>
           </p:cNvPr>
@@ -1736,7 +1748,7 @@
           <p:cNvPr id="6" name="Content Placeholder 5">
             <a:extLst>
               <a:ext uri="{FF2B5EF4-FFF2-40B4-BE49-F238E27FC236}">
-                <a16:creationId xmlns:a16="http://schemas.microsoft.com/office/drawing/2014/main" id="{DD774E9C-C3B4-B92C-AC2F-4489E83345F5}"/>
+                <a16:creationId xmlns:a16="http://schemas.microsoft.com/office/drawing/2014/main" xmlns="" id="{DD774E9C-C3B4-B92C-AC2F-4489E83345F5}"/>
               </a:ext>
             </a:extLst>
           </p:cNvPr>
@@ -1798,7 +1810,7 @@
           <p:cNvPr id="7" name="Date Placeholder 6">
             <a:extLst>
               <a:ext uri="{FF2B5EF4-FFF2-40B4-BE49-F238E27FC236}">
-                <a16:creationId xmlns:a16="http://schemas.microsoft.com/office/drawing/2014/main" id="{0A4E704A-8843-CD90-625A-02BC9EA5C73B}"/>
+                <a16:creationId xmlns:a16="http://schemas.microsoft.com/office/drawing/2014/main" xmlns="" id="{0A4E704A-8843-CD90-625A-02BC9EA5C73B}"/>
               </a:ext>
             </a:extLst>
           </p:cNvPr>
@@ -1816,7 +1828,8 @@
           <a:p>
             <a:fld id="{57F3C984-27DD-40E5-98B7-639B5694548A}" type="datetimeFigureOut">
               <a:rPr lang="en-US" smtClean="0"/>
-              <a:t>10/14/2022</a:t>
+              <a:pPr/>
+              <a:t>10/24/2022</a:t>
             </a:fld>
             <a:endParaRPr lang="en-US"/>
           </a:p>
@@ -1827,7 +1840,7 @@
           <p:cNvPr id="8" name="Footer Placeholder 7">
             <a:extLst>
               <a:ext uri="{FF2B5EF4-FFF2-40B4-BE49-F238E27FC236}">
-                <a16:creationId xmlns:a16="http://schemas.microsoft.com/office/drawing/2014/main" id="{C9A0DD83-8F94-36F2-7338-3A93461A8647}"/>
+                <a16:creationId xmlns:a16="http://schemas.microsoft.com/office/drawing/2014/main" xmlns="" id="{C9A0DD83-8F94-36F2-7338-3A93461A8647}"/>
               </a:ext>
             </a:extLst>
           </p:cNvPr>
@@ -1852,7 +1865,7 @@
           <p:cNvPr id="9" name="Slide Number Placeholder 8">
             <a:extLst>
               <a:ext uri="{FF2B5EF4-FFF2-40B4-BE49-F238E27FC236}">
-                <a16:creationId xmlns:a16="http://schemas.microsoft.com/office/drawing/2014/main" id="{3D9974E9-41AE-3FDA-47AE-1412762F212F}"/>
+                <a16:creationId xmlns:a16="http://schemas.microsoft.com/office/drawing/2014/main" xmlns="" id="{3D9974E9-41AE-3FDA-47AE-1412762F212F}"/>
               </a:ext>
             </a:extLst>
           </p:cNvPr>
@@ -1870,6 +1883,7 @@
           <a:p>
             <a:fld id="{248F3A2C-B7C8-4CE7-931B-A8155F74D0D2}" type="slidenum">
               <a:rPr lang="en-US" smtClean="0"/>
+              <a:pPr/>
               <a:t>‹#›</a:t>
             </a:fld>
             <a:endParaRPr lang="en-US"/>
@@ -1879,7 +1893,7 @@
     </p:spTree>
     <p:extLst>
       <p:ext uri="{BB962C8B-B14F-4D97-AF65-F5344CB8AC3E}">
-        <p14:creationId xmlns:p14="http://schemas.microsoft.com/office/powerpoint/2010/main" val="2832645251"/>
+        <p14:creationId xmlns:p14="http://schemas.microsoft.com/office/powerpoint/2010/main" xmlns="" val="2832645251"/>
       </p:ext>
     </p:extLst>
   </p:cSld>
@@ -1911,7 +1925,7 @@
           <p:cNvPr id="2" name="Title 1">
             <a:extLst>
               <a:ext uri="{FF2B5EF4-FFF2-40B4-BE49-F238E27FC236}">
-                <a16:creationId xmlns:a16="http://schemas.microsoft.com/office/drawing/2014/main" id="{090B3047-73A8-9824-A386-E14E7A3FE01C}"/>
+                <a16:creationId xmlns:a16="http://schemas.microsoft.com/office/drawing/2014/main" xmlns="" id="{090B3047-73A8-9824-A386-E14E7A3FE01C}"/>
               </a:ext>
             </a:extLst>
           </p:cNvPr>
@@ -1939,7 +1953,7 @@
           <p:cNvPr id="3" name="Date Placeholder 2">
             <a:extLst>
               <a:ext uri="{FF2B5EF4-FFF2-40B4-BE49-F238E27FC236}">
-                <a16:creationId xmlns:a16="http://schemas.microsoft.com/office/drawing/2014/main" id="{036C8A14-3E48-3F1D-6F82-CD7B6C7E670D}"/>
+                <a16:creationId xmlns:a16="http://schemas.microsoft.com/office/drawing/2014/main" xmlns="" id="{036C8A14-3E48-3F1D-6F82-CD7B6C7E670D}"/>
               </a:ext>
             </a:extLst>
           </p:cNvPr>
@@ -1957,7 +1971,8 @@
           <a:p>
             <a:fld id="{57F3C984-27DD-40E5-98B7-639B5694548A}" type="datetimeFigureOut">
               <a:rPr lang="en-US" smtClean="0"/>
-              <a:t>10/14/2022</a:t>
+              <a:pPr/>
+              <a:t>10/24/2022</a:t>
             </a:fld>
             <a:endParaRPr lang="en-US"/>
           </a:p>
@@ -1968,7 +1983,7 @@
           <p:cNvPr id="4" name="Footer Placeholder 3">
             <a:extLst>
               <a:ext uri="{FF2B5EF4-FFF2-40B4-BE49-F238E27FC236}">
-                <a16:creationId xmlns:a16="http://schemas.microsoft.com/office/drawing/2014/main" id="{DF54EC0E-1160-AB81-4BF9-A7AA89AF1745}"/>
+                <a16:creationId xmlns:a16="http://schemas.microsoft.com/office/drawing/2014/main" xmlns="" id="{DF54EC0E-1160-AB81-4BF9-A7AA89AF1745}"/>
               </a:ext>
             </a:extLst>
           </p:cNvPr>
@@ -1993,7 +2008,7 @@
           <p:cNvPr id="5" name="Slide Number Placeholder 4">
             <a:extLst>
               <a:ext uri="{FF2B5EF4-FFF2-40B4-BE49-F238E27FC236}">
-                <a16:creationId xmlns:a16="http://schemas.microsoft.com/office/drawing/2014/main" id="{4FB1011B-E343-C312-1472-10084D8967FC}"/>
+                <a16:creationId xmlns:a16="http://schemas.microsoft.com/office/drawing/2014/main" xmlns="" id="{4FB1011B-E343-C312-1472-10084D8967FC}"/>
               </a:ext>
             </a:extLst>
           </p:cNvPr>
@@ -2011,6 +2026,7 @@
           <a:p>
             <a:fld id="{248F3A2C-B7C8-4CE7-931B-A8155F74D0D2}" type="slidenum">
               <a:rPr lang="en-US" smtClean="0"/>
+              <a:pPr/>
               <a:t>‹#›</a:t>
             </a:fld>
             <a:endParaRPr lang="en-US"/>
@@ -2020,7 +2036,7 @@
     </p:spTree>
     <p:extLst>
       <p:ext uri="{BB962C8B-B14F-4D97-AF65-F5344CB8AC3E}">
-        <p14:creationId xmlns:p14="http://schemas.microsoft.com/office/powerpoint/2010/main" val="1936373301"/>
+        <p14:creationId xmlns:p14="http://schemas.microsoft.com/office/powerpoint/2010/main" xmlns="" val="1936373301"/>
       </p:ext>
     </p:extLst>
   </p:cSld>
@@ -2052,7 +2068,7 @@
           <p:cNvPr id="2" name="Date Placeholder 1">
             <a:extLst>
               <a:ext uri="{FF2B5EF4-FFF2-40B4-BE49-F238E27FC236}">
-                <a16:creationId xmlns:a16="http://schemas.microsoft.com/office/drawing/2014/main" id="{90096673-4F68-5BBE-E16A-54958529104B}"/>
+                <a16:creationId xmlns:a16="http://schemas.microsoft.com/office/drawing/2014/main" xmlns="" id="{90096673-4F68-5BBE-E16A-54958529104B}"/>
               </a:ext>
             </a:extLst>
           </p:cNvPr>
@@ -2070,7 +2086,8 @@
           <a:p>
             <a:fld id="{57F3C984-27DD-40E5-98B7-639B5694548A}" type="datetimeFigureOut">
               <a:rPr lang="en-US" smtClean="0"/>
-              <a:t>10/14/2022</a:t>
+              <a:pPr/>
+              <a:t>10/24/2022</a:t>
             </a:fld>
             <a:endParaRPr lang="en-US"/>
           </a:p>
@@ -2081,7 +2098,7 @@
           <p:cNvPr id="3" name="Footer Placeholder 2">
             <a:extLst>
               <a:ext uri="{FF2B5EF4-FFF2-40B4-BE49-F238E27FC236}">
-                <a16:creationId xmlns:a16="http://schemas.microsoft.com/office/drawing/2014/main" id="{224DC808-2BC8-EFB0-3563-454A487BC3F5}"/>
+                <a16:creationId xmlns:a16="http://schemas.microsoft.com/office/drawing/2014/main" xmlns="" id="{224DC808-2BC8-EFB0-3563-454A487BC3F5}"/>
               </a:ext>
             </a:extLst>
           </p:cNvPr>
@@ -2106,7 +2123,7 @@
           <p:cNvPr id="4" name="Slide Number Placeholder 3">
             <a:extLst>
               <a:ext uri="{FF2B5EF4-FFF2-40B4-BE49-F238E27FC236}">
-                <a16:creationId xmlns:a16="http://schemas.microsoft.com/office/drawing/2014/main" id="{A63D59B4-3CE8-F70D-8B94-F74713DB0837}"/>
+                <a16:creationId xmlns:a16="http://schemas.microsoft.com/office/drawing/2014/main" xmlns="" id="{A63D59B4-3CE8-F70D-8B94-F74713DB0837}"/>
               </a:ext>
             </a:extLst>
           </p:cNvPr>
@@ -2124,6 +2141,7 @@
           <a:p>
             <a:fld id="{248F3A2C-B7C8-4CE7-931B-A8155F74D0D2}" type="slidenum">
               <a:rPr lang="en-US" smtClean="0"/>
+              <a:pPr/>
               <a:t>‹#›</a:t>
             </a:fld>
             <a:endParaRPr lang="en-US"/>
@@ -2133,7 +2151,7 @@
     </p:spTree>
     <p:extLst>
       <p:ext uri="{BB962C8B-B14F-4D97-AF65-F5344CB8AC3E}">
-        <p14:creationId xmlns:p14="http://schemas.microsoft.com/office/powerpoint/2010/main" val="2127220170"/>
+        <p14:creationId xmlns:p14="http://schemas.microsoft.com/office/powerpoint/2010/main" xmlns="" val="2127220170"/>
       </p:ext>
     </p:extLst>
   </p:cSld>
@@ -2165,7 +2183,7 @@
           <p:cNvPr id="2" name="Title 1">
             <a:extLst>
               <a:ext uri="{FF2B5EF4-FFF2-40B4-BE49-F238E27FC236}">
-                <a16:creationId xmlns:a16="http://schemas.microsoft.com/office/drawing/2014/main" id="{C0791314-7D1D-8284-47C3-6A6699A5D38A}"/>
+                <a16:creationId xmlns:a16="http://schemas.microsoft.com/office/drawing/2014/main" xmlns="" id="{C0791314-7D1D-8284-47C3-6A6699A5D38A}"/>
               </a:ext>
             </a:extLst>
           </p:cNvPr>
@@ -2202,7 +2220,7 @@
           <p:cNvPr id="3" name="Content Placeholder 2">
             <a:extLst>
               <a:ext uri="{FF2B5EF4-FFF2-40B4-BE49-F238E27FC236}">
-                <a16:creationId xmlns:a16="http://schemas.microsoft.com/office/drawing/2014/main" id="{2895D700-D877-5FDF-7630-D7520C5214BB}"/>
+                <a16:creationId xmlns:a16="http://schemas.microsoft.com/office/drawing/2014/main" xmlns="" id="{2895D700-D877-5FDF-7630-D7520C5214BB}"/>
               </a:ext>
             </a:extLst>
           </p:cNvPr>
@@ -2292,7 +2310,7 @@
           <p:cNvPr id="4" name="Text Placeholder 3">
             <a:extLst>
               <a:ext uri="{FF2B5EF4-FFF2-40B4-BE49-F238E27FC236}">
-                <a16:creationId xmlns:a16="http://schemas.microsoft.com/office/drawing/2014/main" id="{2BE7FEFC-8965-FF98-9DF5-60931E663AD1}"/>
+                <a16:creationId xmlns:a16="http://schemas.microsoft.com/office/drawing/2014/main" xmlns="" id="{2BE7FEFC-8965-FF98-9DF5-60931E663AD1}"/>
               </a:ext>
             </a:extLst>
           </p:cNvPr>
@@ -2363,7 +2381,7 @@
           <p:cNvPr id="5" name="Date Placeholder 4">
             <a:extLst>
               <a:ext uri="{FF2B5EF4-FFF2-40B4-BE49-F238E27FC236}">
-                <a16:creationId xmlns:a16="http://schemas.microsoft.com/office/drawing/2014/main" id="{57C480D7-05E2-19CE-2795-6FDEACD581E4}"/>
+                <a16:creationId xmlns:a16="http://schemas.microsoft.com/office/drawing/2014/main" xmlns="" id="{57C480D7-05E2-19CE-2795-6FDEACD581E4}"/>
               </a:ext>
             </a:extLst>
           </p:cNvPr>
@@ -2381,7 +2399,8 @@
           <a:p>
             <a:fld id="{57F3C984-27DD-40E5-98B7-639B5694548A}" type="datetimeFigureOut">
               <a:rPr lang="en-US" smtClean="0"/>
-              <a:t>10/14/2022</a:t>
+              <a:pPr/>
+              <a:t>10/24/2022</a:t>
             </a:fld>
             <a:endParaRPr lang="en-US"/>
           </a:p>
@@ -2392,7 +2411,7 @@
           <p:cNvPr id="6" name="Footer Placeholder 5">
             <a:extLst>
               <a:ext uri="{FF2B5EF4-FFF2-40B4-BE49-F238E27FC236}">
-                <a16:creationId xmlns:a16="http://schemas.microsoft.com/office/drawing/2014/main" id="{090EC519-0954-1678-812D-D53DFF8D96E5}"/>
+                <a16:creationId xmlns:a16="http://schemas.microsoft.com/office/drawing/2014/main" xmlns="" id="{090EC519-0954-1678-812D-D53DFF8D96E5}"/>
               </a:ext>
             </a:extLst>
           </p:cNvPr>
@@ -2417,7 +2436,7 @@
           <p:cNvPr id="7" name="Slide Number Placeholder 6">
             <a:extLst>
               <a:ext uri="{FF2B5EF4-FFF2-40B4-BE49-F238E27FC236}">
-                <a16:creationId xmlns:a16="http://schemas.microsoft.com/office/drawing/2014/main" id="{A8768E5B-7C56-14CE-8E2C-5C82FA9CF2B6}"/>
+                <a16:creationId xmlns:a16="http://schemas.microsoft.com/office/drawing/2014/main" xmlns="" id="{A8768E5B-7C56-14CE-8E2C-5C82FA9CF2B6}"/>
               </a:ext>
             </a:extLst>
           </p:cNvPr>
@@ -2435,6 +2454,7 @@
           <a:p>
             <a:fld id="{248F3A2C-B7C8-4CE7-931B-A8155F74D0D2}" type="slidenum">
               <a:rPr lang="en-US" smtClean="0"/>
+              <a:pPr/>
               <a:t>‹#›</a:t>
             </a:fld>
             <a:endParaRPr lang="en-US"/>
@@ -2444,7 +2464,7 @@
     </p:spTree>
     <p:extLst>
       <p:ext uri="{BB962C8B-B14F-4D97-AF65-F5344CB8AC3E}">
-        <p14:creationId xmlns:p14="http://schemas.microsoft.com/office/powerpoint/2010/main" val="3446566050"/>
+        <p14:creationId xmlns:p14="http://schemas.microsoft.com/office/powerpoint/2010/main" xmlns="" val="3446566050"/>
       </p:ext>
     </p:extLst>
   </p:cSld>
@@ -2476,7 +2496,7 @@
           <p:cNvPr id="2" name="Title 1">
             <a:extLst>
               <a:ext uri="{FF2B5EF4-FFF2-40B4-BE49-F238E27FC236}">
-                <a16:creationId xmlns:a16="http://schemas.microsoft.com/office/drawing/2014/main" id="{0A4D0EAB-3336-6864-2D2E-02883379B81C}"/>
+                <a16:creationId xmlns:a16="http://schemas.microsoft.com/office/drawing/2014/main" xmlns="" id="{0A4D0EAB-3336-6864-2D2E-02883379B81C}"/>
               </a:ext>
             </a:extLst>
           </p:cNvPr>
@@ -2513,7 +2533,7 @@
           <p:cNvPr id="3" name="Picture Placeholder 2">
             <a:extLst>
               <a:ext uri="{FF2B5EF4-FFF2-40B4-BE49-F238E27FC236}">
-                <a16:creationId xmlns:a16="http://schemas.microsoft.com/office/drawing/2014/main" id="{8DA91821-C2CE-EB78-50EB-18A67DC42D34}"/>
+                <a16:creationId xmlns:a16="http://schemas.microsoft.com/office/drawing/2014/main" xmlns="" id="{8DA91821-C2CE-EB78-50EB-18A67DC42D34}"/>
               </a:ext>
             </a:extLst>
           </p:cNvPr>
@@ -2580,7 +2600,7 @@
           <p:cNvPr id="4" name="Text Placeholder 3">
             <a:extLst>
               <a:ext uri="{FF2B5EF4-FFF2-40B4-BE49-F238E27FC236}">
-                <a16:creationId xmlns:a16="http://schemas.microsoft.com/office/drawing/2014/main" id="{39408C1E-C407-D3A6-28AD-A20E139C33CE}"/>
+                <a16:creationId xmlns:a16="http://schemas.microsoft.com/office/drawing/2014/main" xmlns="" id="{39408C1E-C407-D3A6-28AD-A20E139C33CE}"/>
               </a:ext>
             </a:extLst>
           </p:cNvPr>
@@ -2651,7 +2671,7 @@
           <p:cNvPr id="5" name="Date Placeholder 4">
             <a:extLst>
               <a:ext uri="{FF2B5EF4-FFF2-40B4-BE49-F238E27FC236}">
-                <a16:creationId xmlns:a16="http://schemas.microsoft.com/office/drawing/2014/main" id="{5DBD703C-C73A-96B6-E249-335E15EF3770}"/>
+                <a16:creationId xmlns:a16="http://schemas.microsoft.com/office/drawing/2014/main" xmlns="" id="{5DBD703C-C73A-96B6-E249-335E15EF3770}"/>
               </a:ext>
             </a:extLst>
           </p:cNvPr>
@@ -2669,7 +2689,8 @@
           <a:p>
             <a:fld id="{57F3C984-27DD-40E5-98B7-639B5694548A}" type="datetimeFigureOut">
               <a:rPr lang="en-US" smtClean="0"/>
-              <a:t>10/14/2022</a:t>
+              <a:pPr/>
+              <a:t>10/24/2022</a:t>
             </a:fld>
             <a:endParaRPr lang="en-US"/>
           </a:p>
@@ -2680,7 +2701,7 @@
           <p:cNvPr id="6" name="Footer Placeholder 5">
             <a:extLst>
               <a:ext uri="{FF2B5EF4-FFF2-40B4-BE49-F238E27FC236}">
-                <a16:creationId xmlns:a16="http://schemas.microsoft.com/office/drawing/2014/main" id="{B45183E3-D184-E465-404C-B1B9380B43A6}"/>
+                <a16:creationId xmlns:a16="http://schemas.microsoft.com/office/drawing/2014/main" xmlns="" id="{B45183E3-D184-E465-404C-B1B9380B43A6}"/>
               </a:ext>
             </a:extLst>
           </p:cNvPr>
@@ -2705,7 +2726,7 @@
           <p:cNvPr id="7" name="Slide Number Placeholder 6">
             <a:extLst>
               <a:ext uri="{FF2B5EF4-FFF2-40B4-BE49-F238E27FC236}">
-                <a16:creationId xmlns:a16="http://schemas.microsoft.com/office/drawing/2014/main" id="{52D072C0-AAD4-C0B5-4F4C-633E579FEAFE}"/>
+                <a16:creationId xmlns:a16="http://schemas.microsoft.com/office/drawing/2014/main" xmlns="" id="{52D072C0-AAD4-C0B5-4F4C-633E579FEAFE}"/>
               </a:ext>
             </a:extLst>
           </p:cNvPr>
@@ -2723,6 +2744,7 @@
           <a:p>
             <a:fld id="{248F3A2C-B7C8-4CE7-931B-A8155F74D0D2}" type="slidenum">
               <a:rPr lang="en-US" smtClean="0"/>
+              <a:pPr/>
               <a:t>‹#›</a:t>
             </a:fld>
             <a:endParaRPr lang="en-US"/>
@@ -2732,7 +2754,7 @@
     </p:spTree>
     <p:extLst>
       <p:ext uri="{BB962C8B-B14F-4D97-AF65-F5344CB8AC3E}">
-        <p14:creationId xmlns:p14="http://schemas.microsoft.com/office/powerpoint/2010/main" val="3489346984"/>
+        <p14:creationId xmlns:p14="http://schemas.microsoft.com/office/powerpoint/2010/main" xmlns="" val="3489346984"/>
       </p:ext>
     </p:extLst>
   </p:cSld>
@@ -2769,7 +2791,7 @@
           <p:cNvPr id="2" name="Title Placeholder 1">
             <a:extLst>
               <a:ext uri="{FF2B5EF4-FFF2-40B4-BE49-F238E27FC236}">
-                <a16:creationId xmlns:a16="http://schemas.microsoft.com/office/drawing/2014/main" id="{33A57B2C-C04C-C7D1-F458-934AE02DC497}"/>
+                <a16:creationId xmlns:a16="http://schemas.microsoft.com/office/drawing/2014/main" xmlns="" id="{33A57B2C-C04C-C7D1-F458-934AE02DC497}"/>
               </a:ext>
             </a:extLst>
           </p:cNvPr>
@@ -2807,7 +2829,7 @@
           <p:cNvPr id="3" name="Text Placeholder 2">
             <a:extLst>
               <a:ext uri="{FF2B5EF4-FFF2-40B4-BE49-F238E27FC236}">
-                <a16:creationId xmlns:a16="http://schemas.microsoft.com/office/drawing/2014/main" id="{80E1C4E0-E3CA-60BA-3636-56647BCC9EFD}"/>
+                <a16:creationId xmlns:a16="http://schemas.microsoft.com/office/drawing/2014/main" xmlns="" id="{80E1C4E0-E3CA-60BA-3636-56647BCC9EFD}"/>
               </a:ext>
             </a:extLst>
           </p:cNvPr>
@@ -2874,7 +2896,7 @@
           <p:cNvPr id="4" name="Date Placeholder 3">
             <a:extLst>
               <a:ext uri="{FF2B5EF4-FFF2-40B4-BE49-F238E27FC236}">
-                <a16:creationId xmlns:a16="http://schemas.microsoft.com/office/drawing/2014/main" id="{7B33AE15-8158-E9EF-4091-045DAF4A2E2B}"/>
+                <a16:creationId xmlns:a16="http://schemas.microsoft.com/office/drawing/2014/main" xmlns="" id="{7B33AE15-8158-E9EF-4091-045DAF4A2E2B}"/>
               </a:ext>
             </a:extLst>
           </p:cNvPr>
@@ -2910,7 +2932,8 @@
           <a:p>
             <a:fld id="{57F3C984-27DD-40E5-98B7-639B5694548A}" type="datetimeFigureOut">
               <a:rPr lang="en-US" smtClean="0"/>
-              <a:t>10/14/2022</a:t>
+              <a:pPr/>
+              <a:t>10/24/2022</a:t>
             </a:fld>
             <a:endParaRPr lang="en-US"/>
           </a:p>
@@ -2921,7 +2944,7 @@
           <p:cNvPr id="5" name="Footer Placeholder 4">
             <a:extLst>
               <a:ext uri="{FF2B5EF4-FFF2-40B4-BE49-F238E27FC236}">
-                <a16:creationId xmlns:a16="http://schemas.microsoft.com/office/drawing/2014/main" id="{A2503DA3-4A00-5498-567E-90F69F91FF50}"/>
+                <a16:creationId xmlns:a16="http://schemas.microsoft.com/office/drawing/2014/main" xmlns="" id="{A2503DA3-4A00-5498-567E-90F69F91FF50}"/>
               </a:ext>
             </a:extLst>
           </p:cNvPr>
@@ -2964,7 +2987,7 @@
           <p:cNvPr id="6" name="Slide Number Placeholder 5">
             <a:extLst>
               <a:ext uri="{FF2B5EF4-FFF2-40B4-BE49-F238E27FC236}">
-                <a16:creationId xmlns:a16="http://schemas.microsoft.com/office/drawing/2014/main" id="{53A39948-1F1E-3D85-9125-AA25A1092479}"/>
+                <a16:creationId xmlns:a16="http://schemas.microsoft.com/office/drawing/2014/main" xmlns="" id="{53A39948-1F1E-3D85-9125-AA25A1092479}"/>
               </a:ext>
             </a:extLst>
           </p:cNvPr>
@@ -3000,6 +3023,7 @@
           <a:p>
             <a:fld id="{248F3A2C-B7C8-4CE7-931B-A8155F74D0D2}" type="slidenum">
               <a:rPr lang="en-US" smtClean="0"/>
+              <a:pPr/>
               <a:t>‹#›</a:t>
             </a:fld>
             <a:endParaRPr lang="en-US"/>
@@ -3009,7 +3033,7 @@
     </p:spTree>
     <p:extLst>
       <p:ext uri="{BB962C8B-B14F-4D97-AF65-F5344CB8AC3E}">
-        <p14:creationId xmlns:p14="http://schemas.microsoft.com/office/powerpoint/2010/main" val="2516109589"/>
+        <p14:creationId xmlns:p14="http://schemas.microsoft.com/office/powerpoint/2010/main" xmlns="" val="2516109589"/>
       </p:ext>
     </p:extLst>
   </p:cSld>
@@ -3332,7 +3356,7 @@
           <p:cNvPr id="2" name="Title 1">
             <a:extLst>
               <a:ext uri="{FF2B5EF4-FFF2-40B4-BE49-F238E27FC236}">
-                <a16:creationId xmlns:a16="http://schemas.microsoft.com/office/drawing/2014/main" id="{6A841351-6A22-E0CB-A0A3-EC5EF470A136}"/>
+                <a16:creationId xmlns:a16="http://schemas.microsoft.com/office/drawing/2014/main" xmlns="" id="{6A841351-6A22-E0CB-A0A3-EC5EF470A136}"/>
               </a:ext>
             </a:extLst>
           </p:cNvPr>
@@ -3360,7 +3384,7 @@
           <p:cNvPr id="3" name="Subtitle 2">
             <a:extLst>
               <a:ext uri="{FF2B5EF4-FFF2-40B4-BE49-F238E27FC236}">
-                <a16:creationId xmlns:a16="http://schemas.microsoft.com/office/drawing/2014/main" id="{88502827-4D65-16B1-8F69-AC5A85A24234}"/>
+                <a16:creationId xmlns:a16="http://schemas.microsoft.com/office/drawing/2014/main" xmlns="" id="{88502827-4D65-16B1-8F69-AC5A85A24234}"/>
               </a:ext>
             </a:extLst>
           </p:cNvPr>
@@ -3383,13 +3407,20 @@
     </p:spTree>
     <p:extLst>
       <p:ext uri="{BB962C8B-B14F-4D97-AF65-F5344CB8AC3E}">
-        <p14:creationId xmlns:p14="http://schemas.microsoft.com/office/powerpoint/2010/main" val="1530297652"/>
+        <p14:creationId xmlns:p14="http://schemas.microsoft.com/office/powerpoint/2010/main" xmlns="" val="1530297652"/>
       </p:ext>
     </p:extLst>
   </p:cSld>
   <p:clrMapOvr>
     <a:masterClrMapping/>
   </p:clrMapOvr>
+  <p:timing>
+    <p:tnLst>
+      <p:par>
+        <p:cTn id="1" dur="indefinite" restart="never" nodeType="tmRoot"/>
+      </p:par>
+    </p:tnLst>
+  </p:timing>
 </p:sld>
 </file>
 
@@ -3415,7 +3446,7 @@
           <p:cNvPr id="2" name="Title 1">
             <a:extLst>
               <a:ext uri="{FF2B5EF4-FFF2-40B4-BE49-F238E27FC236}">
-                <a16:creationId xmlns:a16="http://schemas.microsoft.com/office/drawing/2014/main" id="{7C96996B-769D-3672-B5A5-86BFA76FFCD0}"/>
+                <a16:creationId xmlns:a16="http://schemas.microsoft.com/office/drawing/2014/main" xmlns="" id="{7C96996B-769D-3672-B5A5-86BFA76FFCD0}"/>
               </a:ext>
             </a:extLst>
           </p:cNvPr>
@@ -3440,7 +3471,7 @@
           <p:cNvPr id="3" name="Content Placeholder 2">
             <a:extLst>
               <a:ext uri="{FF2B5EF4-FFF2-40B4-BE49-F238E27FC236}">
-                <a16:creationId xmlns:a16="http://schemas.microsoft.com/office/drawing/2014/main" id="{19FF143E-8F21-8B8B-504E-96650CEC348B}"/>
+                <a16:creationId xmlns:a16="http://schemas.microsoft.com/office/drawing/2014/main" xmlns="" id="{19FF143E-8F21-8B8B-504E-96650CEC348B}"/>
               </a:ext>
             </a:extLst>
           </p:cNvPr>
@@ -3614,13 +3645,20 @@
     </p:spTree>
     <p:extLst>
       <p:ext uri="{BB962C8B-B14F-4D97-AF65-F5344CB8AC3E}">
-        <p14:creationId xmlns:p14="http://schemas.microsoft.com/office/powerpoint/2010/main" val="1185075629"/>
+        <p14:creationId xmlns:p14="http://schemas.microsoft.com/office/powerpoint/2010/main" xmlns="" val="1185075629"/>
       </p:ext>
     </p:extLst>
   </p:cSld>
   <p:clrMapOvr>
     <a:masterClrMapping/>
   </p:clrMapOvr>
+  <p:timing>
+    <p:tnLst>
+      <p:par>
+        <p:cTn id="1" dur="indefinite" restart="never" nodeType="tmRoot"/>
+      </p:par>
+    </p:tnLst>
+  </p:timing>
 </p:sld>
 </file>
 
@@ -3646,7 +3684,7 @@
           <p:cNvPr id="2" name="Title 1">
             <a:extLst>
               <a:ext uri="{FF2B5EF4-FFF2-40B4-BE49-F238E27FC236}">
-                <a16:creationId xmlns:a16="http://schemas.microsoft.com/office/drawing/2014/main" id="{61835526-89DD-565B-5C46-A0B3B2E4B860}"/>
+                <a16:creationId xmlns:a16="http://schemas.microsoft.com/office/drawing/2014/main" xmlns="" id="{61835526-89DD-565B-5C46-A0B3B2E4B860}"/>
               </a:ext>
             </a:extLst>
           </p:cNvPr>
@@ -3671,7 +3709,7 @@
           <p:cNvPr id="3" name="Content Placeholder 2">
             <a:extLst>
               <a:ext uri="{FF2B5EF4-FFF2-40B4-BE49-F238E27FC236}">
-                <a16:creationId xmlns:a16="http://schemas.microsoft.com/office/drawing/2014/main" id="{B11D88EE-DF3B-E58F-B248-895BAB84751B}"/>
+                <a16:creationId xmlns:a16="http://schemas.microsoft.com/office/drawing/2014/main" xmlns="" id="{B11D88EE-DF3B-E58F-B248-895BAB84751B}"/>
               </a:ext>
             </a:extLst>
           </p:cNvPr>
@@ -3789,13 +3827,20 @@
     </p:spTree>
     <p:extLst>
       <p:ext uri="{BB962C8B-B14F-4D97-AF65-F5344CB8AC3E}">
-        <p14:creationId xmlns:p14="http://schemas.microsoft.com/office/powerpoint/2010/main" val="489971238"/>
+        <p14:creationId xmlns:p14="http://schemas.microsoft.com/office/powerpoint/2010/main" xmlns="" val="489971238"/>
       </p:ext>
     </p:extLst>
   </p:cSld>
   <p:clrMapOvr>
     <a:masterClrMapping/>
   </p:clrMapOvr>
+  <p:timing>
+    <p:tnLst>
+      <p:par>
+        <p:cTn id="1" dur="indefinite" restart="never" nodeType="tmRoot"/>
+      </p:par>
+    </p:tnLst>
+  </p:timing>
 </p:sld>
 </file>
 
@@ -3821,7 +3866,7 @@
           <p:cNvPr id="2" name="Title 1">
             <a:extLst>
               <a:ext uri="{FF2B5EF4-FFF2-40B4-BE49-F238E27FC236}">
-                <a16:creationId xmlns:a16="http://schemas.microsoft.com/office/drawing/2014/main" id="{EE59F94E-01FC-3989-5596-77BF60C10D62}"/>
+                <a16:creationId xmlns:a16="http://schemas.microsoft.com/office/drawing/2014/main" xmlns="" id="{EE59F94E-01FC-3989-5596-77BF60C10D62}"/>
               </a:ext>
             </a:extLst>
           </p:cNvPr>
@@ -3846,7 +3891,7 @@
           <p:cNvPr id="3" name="Content Placeholder 2">
             <a:extLst>
               <a:ext uri="{FF2B5EF4-FFF2-40B4-BE49-F238E27FC236}">
-                <a16:creationId xmlns:a16="http://schemas.microsoft.com/office/drawing/2014/main" id="{128937E8-F479-11D5-0C5B-C72A5E1812AE}"/>
+                <a16:creationId xmlns:a16="http://schemas.microsoft.com/office/drawing/2014/main" xmlns="" id="{128937E8-F479-11D5-0C5B-C72A5E1812AE}"/>
               </a:ext>
             </a:extLst>
           </p:cNvPr>
@@ -4039,13 +4084,20 @@
     </p:spTree>
     <p:extLst>
       <p:ext uri="{BB962C8B-B14F-4D97-AF65-F5344CB8AC3E}">
-        <p14:creationId xmlns:p14="http://schemas.microsoft.com/office/powerpoint/2010/main" val="564696188"/>
+        <p14:creationId xmlns:p14="http://schemas.microsoft.com/office/powerpoint/2010/main" xmlns="" val="564696188"/>
       </p:ext>
     </p:extLst>
   </p:cSld>
   <p:clrMapOvr>
     <a:masterClrMapping/>
   </p:clrMapOvr>
+  <p:timing>
+    <p:tnLst>
+      <p:par>
+        <p:cTn id="1" dur="indefinite" restart="never" nodeType="tmRoot"/>
+      </p:par>
+    </p:tnLst>
+  </p:timing>
 </p:sld>
 </file>
 
@@ -4071,7 +4123,7 @@
           <p:cNvPr id="2" name="Title 1">
             <a:extLst>
               <a:ext uri="{FF2B5EF4-FFF2-40B4-BE49-F238E27FC236}">
-                <a16:creationId xmlns:a16="http://schemas.microsoft.com/office/drawing/2014/main" id="{A7050A70-0AE1-7AB9-A1CE-523E46CFE3EC}"/>
+                <a16:creationId xmlns:a16="http://schemas.microsoft.com/office/drawing/2014/main" xmlns="" id="{A7050A70-0AE1-7AB9-A1CE-523E46CFE3EC}"/>
               </a:ext>
             </a:extLst>
           </p:cNvPr>
@@ -4096,7 +4148,7 @@
           <p:cNvPr id="5" name="Content Placeholder 4">
             <a:extLst>
               <a:ext uri="{FF2B5EF4-FFF2-40B4-BE49-F238E27FC236}">
-                <a16:creationId xmlns:a16="http://schemas.microsoft.com/office/drawing/2014/main" id="{ACBB23CE-DAA4-2497-6C77-18C5EF24F989}"/>
+                <a16:creationId xmlns:a16="http://schemas.microsoft.com/office/drawing/2014/main" xmlns="" id="{ACBB23CE-DAA4-2497-6C77-18C5EF24F989}"/>
               </a:ext>
             </a:extLst>
           </p:cNvPr>
@@ -4123,13 +4175,20 @@
     </p:spTree>
     <p:extLst>
       <p:ext uri="{BB962C8B-B14F-4D97-AF65-F5344CB8AC3E}">
-        <p14:creationId xmlns:p14="http://schemas.microsoft.com/office/powerpoint/2010/main" val="1535817906"/>
+        <p14:creationId xmlns:p14="http://schemas.microsoft.com/office/powerpoint/2010/main" xmlns="" val="1535817906"/>
       </p:ext>
     </p:extLst>
   </p:cSld>
   <p:clrMapOvr>
     <a:masterClrMapping/>
   </p:clrMapOvr>
+  <p:timing>
+    <p:tnLst>
+      <p:par>
+        <p:cTn id="1" dur="indefinite" restart="never" nodeType="tmRoot"/>
+      </p:par>
+    </p:tnLst>
+  </p:timing>
 </p:sld>
 </file>
 
@@ -4155,7 +4214,7 @@
           <p:cNvPr id="2" name="Title 1">
             <a:extLst>
               <a:ext uri="{FF2B5EF4-FFF2-40B4-BE49-F238E27FC236}">
-                <a16:creationId xmlns:a16="http://schemas.microsoft.com/office/drawing/2014/main" id="{9D93C6F8-17CB-88E4-58E5-97494F10E9D1}"/>
+                <a16:creationId xmlns:a16="http://schemas.microsoft.com/office/drawing/2014/main" xmlns="" id="{9D93C6F8-17CB-88E4-58E5-97494F10E9D1}"/>
               </a:ext>
             </a:extLst>
           </p:cNvPr>
@@ -4204,7 +4263,7 @@
           <p:cNvPr id="3" name="Content Placeholder 2">
             <a:extLst>
               <a:ext uri="{FF2B5EF4-FFF2-40B4-BE49-F238E27FC236}">
-                <a16:creationId xmlns:a16="http://schemas.microsoft.com/office/drawing/2014/main" id="{31841353-F487-0828-98A7-04060F0B63F6}"/>
+                <a16:creationId xmlns:a16="http://schemas.microsoft.com/office/drawing/2014/main" xmlns="" id="{31841353-F487-0828-98A7-04060F0B63F6}"/>
               </a:ext>
             </a:extLst>
           </p:cNvPr>
@@ -4682,13 +4741,20 @@
     </p:spTree>
     <p:extLst>
       <p:ext uri="{BB962C8B-B14F-4D97-AF65-F5344CB8AC3E}">
-        <p14:creationId xmlns:p14="http://schemas.microsoft.com/office/powerpoint/2010/main" val="3925770435"/>
+        <p14:creationId xmlns:p14="http://schemas.microsoft.com/office/powerpoint/2010/main" xmlns="" val="3925770435"/>
       </p:ext>
     </p:extLst>
   </p:cSld>
   <p:clrMapOvr>
     <a:masterClrMapping/>
   </p:clrMapOvr>
+  <p:timing>
+    <p:tnLst>
+      <p:par>
+        <p:cTn id="1" dur="indefinite" restart="never" nodeType="tmRoot"/>
+      </p:par>
+    </p:tnLst>
+  </p:timing>
 </p:sld>
 </file>
 
@@ -4714,7 +4780,7 @@
           <p:cNvPr id="2" name="Title 1">
             <a:extLst>
               <a:ext uri="{FF2B5EF4-FFF2-40B4-BE49-F238E27FC236}">
-                <a16:creationId xmlns:a16="http://schemas.microsoft.com/office/drawing/2014/main" id="{DEE80C75-97AC-AC7B-5AE0-217F8515CA5A}"/>
+                <a16:creationId xmlns:a16="http://schemas.microsoft.com/office/drawing/2014/main" xmlns="" id="{DEE80C75-97AC-AC7B-5AE0-217F8515CA5A}"/>
               </a:ext>
             </a:extLst>
           </p:cNvPr>
@@ -4730,6 +4796,10 @@
           <a:bodyPr/>
           <a:lstStyle/>
           <a:p>
+            <a:r>
+              <a:rPr lang="en-US" smtClean="0"/>
+              <a:t>TUGAS BUAT DI WORD KIRIM DI GRUP TG BATAS 30 OKTOBER 2022</a:t>
+            </a:r>
             <a:endParaRPr lang="en-US" dirty="0"/>
           </a:p>
         </p:txBody>
@@ -4739,7 +4809,7 @@
           <p:cNvPr id="3" name="Content Placeholder 2">
             <a:extLst>
               <a:ext uri="{FF2B5EF4-FFF2-40B4-BE49-F238E27FC236}">
-                <a16:creationId xmlns:a16="http://schemas.microsoft.com/office/drawing/2014/main" id="{5E78EF14-9352-87CA-6F1A-9FA5DF3F0E9B}"/>
+                <a16:creationId xmlns:a16="http://schemas.microsoft.com/office/drawing/2014/main" xmlns="" id="{5E78EF14-9352-87CA-6F1A-9FA5DF3F0E9B}"/>
               </a:ext>
             </a:extLst>
           </p:cNvPr>
@@ -4755,13 +4825,12 @@
           <a:bodyPr/>
           <a:lstStyle/>
           <a:p>
-            <a:r>
-              <a:rPr lang="en-US" dirty="0" err="1"/>
-              <a:t>Jelaskan</a:t>
-            </a:r>
-            <a:r>
-              <a:rPr lang="en-US" dirty="0"/>
-              <a:t> </a:t>
+            <a:pPr>
+              <a:buNone/>
+            </a:pPr>
+            <a:r>
+              <a:rPr lang="en-US" smtClean="0"/>
+              <a:t>1. Jelaskan </a:t>
             </a:r>
             <a:r>
               <a:rPr lang="en-US" dirty="0" err="1"/>
@@ -4780,16 +4849,34 @@
               <a:t> </a:t>
             </a:r>
             <a:r>
-              <a:rPr lang="en-US" dirty="0" err="1"/>
+              <a:rPr lang="en-US" err="1"/>
               <a:t>sistem</a:t>
             </a:r>
             <a:r>
-              <a:rPr lang="en-US" dirty="0"/>
-              <a:t> </a:t>
-            </a:r>
-            <a:r>
-              <a:rPr lang="en-US" dirty="0" err="1"/>
+              <a:rPr lang="en-US"/>
+              <a:t> </a:t>
+            </a:r>
+            <a:r>
+              <a:rPr lang="en-US" smtClean="0"/>
               <a:t>operasi</a:t>
+            </a:r>
+          </a:p>
+          <a:p>
+            <a:pPr>
+              <a:buNone/>
+            </a:pPr>
+            <a:r>
+              <a:rPr lang="en-US" smtClean="0"/>
+              <a:t>2. Jelaskan bagaimana sistem operasi bekerja</a:t>
+            </a:r>
+          </a:p>
+          <a:p>
+            <a:pPr>
+              <a:buNone/>
+            </a:pPr>
+            <a:r>
+              <a:rPr lang="en-US" smtClean="0"/>
+              <a:t>3. Apa yang dimaksud dengan kolaborasi dalam sistem komputer, serta berikan contohnya.</a:t>
             </a:r>
             <a:endParaRPr lang="en-US" dirty="0"/>
           </a:p>
@@ -4798,13 +4885,20 @@
     </p:spTree>
     <p:extLst>
       <p:ext uri="{BB962C8B-B14F-4D97-AF65-F5344CB8AC3E}">
-        <p14:creationId xmlns:p14="http://schemas.microsoft.com/office/powerpoint/2010/main" val="1495732571"/>
+        <p14:creationId xmlns:p14="http://schemas.microsoft.com/office/powerpoint/2010/main" xmlns="" val="1495732571"/>
       </p:ext>
     </p:extLst>
   </p:cSld>
   <p:clrMapOvr>
     <a:masterClrMapping/>
   </p:clrMapOvr>
+  <p:timing>
+    <p:tnLst>
+      <p:par>
+        <p:cTn id="1" dur="indefinite" restart="never" nodeType="tmRoot"/>
+      </p:par>
+    </p:tnLst>
+  </p:timing>
 </p:sld>
 </file>
 
@@ -4851,7 +4945,7 @@
     </a:clrScheme>
     <a:fontScheme name="Office">
       <a:majorFont>
-        <a:latin typeface="Calibri Light" panose="020F0302020204030204"/>
+        <a:latin typeface="Calibri Light"/>
         <a:ea typeface=""/>
         <a:cs typeface=""/>
         <a:font script="Jpan" typeface="游ゴシック Light"/>
@@ -4903,7 +4997,7 @@
         <a:font script="Tfng" typeface="Ebrima"/>
       </a:majorFont>
       <a:minorFont>
-        <a:latin typeface="Calibri" panose="020F0502020204030204"/>
+        <a:latin typeface="Calibri"/>
         <a:ea typeface=""/>
         <a:cs typeface=""/>
         <a:font script="Jpan" typeface="游ゴシック"/>
@@ -5097,7 +5191,7 @@
   <a:extraClrSchemeLst/>
   <a:extLst>
     <a:ext uri="{05A4C25C-085E-4340-85A3-A5531E510DB2}">
-      <thm15:themeFamily xmlns:thm15="http://schemas.microsoft.com/office/thememl/2012/main" name="Office Theme" id="{62F939B6-93AF-4DB8-9C6B-D6C7DFDC589F}" vid="{4A3C46E8-61CC-4603-A589-7422A47A8E4A}"/>
+      <thm15:themeFamily xmlns:thm15="http://schemas.microsoft.com/office/thememl/2012/main" xmlns="" name="Office Theme" id="{62F939B6-93AF-4DB8-9C6B-D6C7DFDC589F}" vid="{4A3C46E8-61CC-4603-A589-7422A47A8E4A}"/>
     </a:ext>
   </a:extLst>
 </a:theme>
